--- a/Warehouse Automation.pptx
+++ b/Warehouse Automation.pptx
@@ -5,13 +5,15 @@
     <p:sldMasterId id="2147483660" r:id="rId1"/>
   </p:sldMasterIdLst>
   <p:notesMasterIdLst>
-    <p:notesMasterId r:id="rId3"/>
+    <p:notesMasterId r:id="rId5"/>
   </p:notesMasterIdLst>
   <p:handoutMasterIdLst>
-    <p:handoutMasterId r:id="rId4"/>
+    <p:handoutMasterId r:id="rId6"/>
   </p:handoutMasterIdLst>
   <p:sldIdLst>
     <p:sldId id="345" r:id="rId2"/>
+    <p:sldId id="347" r:id="rId3"/>
+    <p:sldId id="346" r:id="rId4"/>
   </p:sldIdLst>
   <p:sldSz cx="9144000" cy="6858000" type="screen4x3"/>
   <p:notesSz cx="6858000" cy="9144000"/>
@@ -523,6 +525,91 @@
     </a:lvl9pPr>
   </p:notesStyle>
 </p:notesMaster>
+</file>
+
+<file path=ppt/notesSlides/notesSlide1.xml><?xml version="1.0" encoding="utf-8"?>
+<p:notes xmlns:a="http://schemas.openxmlformats.org/drawingml/2006/main" xmlns:r="http://schemas.openxmlformats.org/officeDocument/2006/relationships" xmlns:p="http://schemas.openxmlformats.org/presentationml/2006/main">
+  <p:cSld>
+    <p:spTree>
+      <p:nvGrpSpPr>
+        <p:cNvPr id="1" name=""/>
+        <p:cNvGrpSpPr/>
+        <p:nvPr/>
+      </p:nvGrpSpPr>
+      <p:grpSpPr>
+        <a:xfrm>
+          <a:off x="0" y="0"/>
+          <a:ext cx="0" cy="0"/>
+          <a:chOff x="0" y="0"/>
+          <a:chExt cx="0" cy="0"/>
+        </a:xfrm>
+      </p:grpSpPr>
+      <p:sp>
+        <p:nvSpPr>
+          <p:cNvPr id="2" name="Slide Image Placeholder 1"/>
+          <p:cNvSpPr>
+            <a:spLocks noGrp="1" noRot="1" noChangeAspect="1"/>
+          </p:cNvSpPr>
+          <p:nvPr>
+            <p:ph type="sldImg"/>
+          </p:nvPr>
+        </p:nvSpPr>
+        <p:spPr/>
+      </p:sp>
+      <p:sp>
+        <p:nvSpPr>
+          <p:cNvPr id="3" name="Notes Placeholder 2"/>
+          <p:cNvSpPr>
+            <a:spLocks noGrp="1"/>
+          </p:cNvSpPr>
+          <p:nvPr>
+            <p:ph type="body" idx="1"/>
+          </p:nvPr>
+        </p:nvSpPr>
+        <p:spPr/>
+        <p:txBody>
+          <a:bodyPr/>
+          <a:lstStyle/>
+          <a:p>
+            <a:endParaRPr lang="en-US" dirty="0"/>
+          </a:p>
+        </p:txBody>
+      </p:sp>
+      <p:sp>
+        <p:nvSpPr>
+          <p:cNvPr id="4" name="Slide Number Placeholder 3"/>
+          <p:cNvSpPr>
+            <a:spLocks noGrp="1"/>
+          </p:cNvSpPr>
+          <p:nvPr>
+            <p:ph type="sldNum" sz="quarter" idx="10"/>
+          </p:nvPr>
+        </p:nvSpPr>
+        <p:spPr/>
+        <p:txBody>
+          <a:bodyPr/>
+          <a:lstStyle/>
+          <a:p>
+            <a:fld id="{7D8C2C35-2B8A-446E-BEC0-FD36716C29AC}" type="slidenum">
+              <a:rPr lang="de-DE" smtClean="0"/>
+              <a:pPr/>
+              <a:t>2</a:t>
+            </a:fld>
+            <a:endParaRPr lang="de-DE" dirty="0"/>
+          </a:p>
+        </p:txBody>
+      </p:sp>
+    </p:spTree>
+    <p:extLst>
+      <p:ext uri="{BB962C8B-B14F-4D97-AF65-F5344CB8AC3E}">
+        <p14:creationId xmlns:p14="http://schemas.microsoft.com/office/powerpoint/2010/main" val="453957486"/>
+      </p:ext>
+    </p:extLst>
+  </p:cSld>
+  <p:clrMapOvr>
+    <a:masterClrMapping/>
+  </p:clrMapOvr>
+</p:notes>
 </file>
 
 <file path=ppt/slideLayouts/slideLayout1.xml><?xml version="1.0" encoding="utf-8"?>
@@ -5990,24 +6077,7 @@
                 <a:ea typeface="ヒラギノ角ゴ Pro W3" pitchFamily="28" charset="-128"/>
                 <a:cs typeface="+mn-cs"/>
               </a:rPr>
-              <a:t>Application/Solution </a:t>
-            </a:r>
-            <a:r>
-              <a:rPr kumimoji="0" lang="en-US" sz="1600" b="1" i="0" u="none" strike="noStrike" kern="1200" cap="none" spc="0" normalizeH="0" baseline="0" noProof="0" dirty="0" smtClean="0">
-                <a:ln>
-                  <a:noFill/>
-                </a:ln>
-                <a:solidFill>
-                  <a:schemeClr val="tx2"/>
-                </a:solidFill>
-                <a:effectLst/>
-                <a:uLnTx/>
-                <a:uFillTx/>
-                <a:latin typeface="+mn-lt"/>
-                <a:ea typeface="ヒラギノ角ゴ Pro W3" pitchFamily="28" charset="-128"/>
-                <a:cs typeface="+mn-cs"/>
-              </a:rPr>
-              <a:t>Benefits</a:t>
+              <a:t>Application/Solution Benefits</a:t>
             </a:r>
           </a:p>
           <a:p>
@@ -6227,13 +6297,6 @@
               </a:rPr>
               <a:t>More detailed tracking of the order.</a:t>
             </a:r>
-            <a:endParaRPr lang="de-DE" sz="1100" noProof="1" smtClean="0">
-              <a:solidFill>
-                <a:schemeClr val="tx2"/>
-              </a:solidFill>
-              <a:latin typeface="+mn-lt"/>
-              <a:ea typeface="ヒラギノ角ゴ Pro W3" pitchFamily="28" charset="-128"/>
-            </a:endParaRPr>
           </a:p>
           <a:p>
             <a:pPr marL="179388" marR="0" lvl="1" indent="-179388" algn="l" defTabSz="914400" rtl="0" eaLnBrk="1" fontAlgn="base" latinLnBrk="0" hangingPunct="1">
@@ -6319,11 +6382,6 @@
               </a:rPr>
               <a:t>Automating warehouse to pick the order item and send it for shipment</a:t>
             </a:r>
-            <a:endParaRPr lang="en-US" sz="1400" b="1" dirty="0" smtClean="0">
-              <a:solidFill>
-                <a:schemeClr val="hlink"/>
-              </a:solidFill>
-            </a:endParaRPr>
           </a:p>
           <a:p>
             <a:pPr lvl="0" algn="ctr">
@@ -6403,30 +6461,6 @@
                 <a:ea typeface="ヒラギノ角ゴ Pro W3" pitchFamily="28" charset="-128"/>
               </a:rPr>
               <a:t>Picture</a:t>
-            </a:r>
-          </a:p>
-          <a:p>
-            <a:pPr marL="114300" lvl="1" indent="0" eaLnBrk="1" hangingPunct="1">
-              <a:lnSpc>
-                <a:spcPct val="100000"/>
-              </a:lnSpc>
-              <a:spcBef>
-                <a:spcPct val="50000"/>
-              </a:spcBef>
-              <a:buFont typeface="Wingdings" pitchFamily="2" charset="2"/>
-              <a:buNone/>
-              <a:defRPr/>
-            </a:pPr>
-            <a:r>
-              <a:rPr lang="en-US" sz="1100" dirty="0" smtClean="0">
-                <a:solidFill>
-                  <a:srgbClr val="404040"/>
-                </a:solidFill>
-                <a:latin typeface="+mn-lt"/>
-                <a:ea typeface="ヒラギノ角ゴ Pro W3" pitchFamily="-62" charset="-128"/>
-                <a:cs typeface="ヒラギノ角ゴ Pro W3" pitchFamily="28" charset="-128"/>
-              </a:rPr>
-              <a:t>Screen shots </a:t>
             </a:r>
           </a:p>
           <a:p>
@@ -6647,14 +6681,6 @@
               </a:rPr>
               <a:t>Lot of man power and salary for handling goods in warehouse.</a:t>
             </a:r>
-            <a:endParaRPr lang="en-US" sz="1100" kern="0" dirty="0" smtClean="0">
-              <a:solidFill>
-                <a:schemeClr val="tx2"/>
-              </a:solidFill>
-              <a:latin typeface="+mn-lt"/>
-              <a:ea typeface="ヒラギノ角ゴ Pro W3" pitchFamily="28" charset="-128"/>
-              <a:cs typeface="ヒラギノ角ゴ Pro W3" pitchFamily="28" charset="-128"/>
-            </a:endParaRPr>
           </a:p>
           <a:p>
             <a:pPr marL="296863" marR="0" lvl="1" indent="-182563" algn="l" defTabSz="914400" rtl="0" eaLnBrk="0" fontAlgn="base" latinLnBrk="0" hangingPunct="0">
@@ -6804,11 +6830,6 @@
               </a:rPr>
               <a:t>Faster shipping, Happy customers</a:t>
             </a:r>
-            <a:endParaRPr lang="en-US" sz="1400" b="1" dirty="0" smtClean="0">
-              <a:solidFill>
-                <a:schemeClr val="hlink"/>
-              </a:solidFill>
-            </a:endParaRPr>
           </a:p>
           <a:p>
             <a:pPr lvl="0" algn="ctr">
@@ -6944,29 +6965,7 @@
                 <a:ea typeface="Arial Unicode MS"/>
                 <a:cs typeface="Arial Unicode MS"/>
               </a:rPr>
-              <a:t>Industry</a:t>
-            </a:r>
-            <a:r>
-              <a:rPr lang="en-US" sz="1100" kern="0" dirty="0" smtClean="0">
-                <a:solidFill>
-                  <a:schemeClr val="tx2"/>
-                </a:solidFill>
-                <a:latin typeface="Arial Black"/>
-                <a:ea typeface="Arial Unicode MS"/>
-                <a:cs typeface="Arial Unicode MS"/>
-              </a:rPr>
-              <a:t>: E-commerce</a:t>
-            </a:r>
-            <a:r>
-              <a:rPr lang="en-US" sz="1100" kern="0" dirty="0" smtClean="0">
-                <a:solidFill>
-                  <a:schemeClr val="tx2"/>
-                </a:solidFill>
-                <a:latin typeface="Arial Black"/>
-                <a:ea typeface="Arial Unicode MS"/>
-                <a:cs typeface="Arial Unicode MS"/>
-              </a:rPr>
-              <a:t/>
+              <a:t>Industry: E-commerce</a:t>
             </a:r>
             <a:br>
               <a:rPr lang="en-US" sz="1100" kern="0" dirty="0" smtClean="0">
@@ -6987,18 +6986,7 @@
                 <a:ea typeface="Arial Unicode MS"/>
                 <a:cs typeface="Arial Unicode MS"/>
               </a:rPr>
-              <a:t>Team members</a:t>
-            </a:r>
-            <a:r>
-              <a:rPr lang="en-US" sz="1100" kern="0" dirty="0" smtClean="0">
-                <a:solidFill>
-                  <a:schemeClr val="tx2"/>
-                </a:solidFill>
-                <a:latin typeface="Arial Black"/>
-                <a:ea typeface="Arial Unicode MS"/>
-                <a:cs typeface="Arial Unicode MS"/>
-              </a:rPr>
-              <a:t>: Manoj, Sudhansu</a:t>
+              <a:t>Team members: Manoj, Sudhansu</a:t>
             </a:r>
             <a:endParaRPr lang="en-US" sz="1100" dirty="0">
               <a:solidFill>
@@ -7074,7 +7062,1055 @@
           </a:prstGeom>
         </p:spPr>
       </p:pic>
+      <p:pic>
+        <p:nvPicPr>
+          <p:cNvPr id="10" name="Picture 9"/>
+          <p:cNvPicPr>
+            <a:picLocks noChangeAspect="1"/>
+          </p:cNvPicPr>
+          <p:nvPr/>
+        </p:nvPicPr>
+        <p:blipFill>
+          <a:blip r:embed="rId4" cstate="print">
+            <a:extLst>
+              <a:ext uri="{28A0092B-C50C-407E-A947-70E740481C1C}">
+                <a14:useLocalDpi xmlns:a14="http://schemas.microsoft.com/office/drawing/2010/main" val="0"/>
+              </a:ext>
+            </a:extLst>
+          </a:blip>
+          <a:stretch>
+            <a:fillRect/>
+          </a:stretch>
+        </p:blipFill>
+        <p:spPr>
+          <a:xfrm>
+            <a:off x="499915" y="4041001"/>
+            <a:ext cx="3444398" cy="1937474"/>
+          </a:xfrm>
+          <a:prstGeom prst="rect">
+            <a:avLst/>
+          </a:prstGeom>
+        </p:spPr>
+      </p:pic>
     </p:spTree>
+  </p:cSld>
+  <p:clrMapOvr>
+    <a:masterClrMapping/>
+  </p:clrMapOvr>
+  <p:timing>
+    <p:tnLst>
+      <p:par>
+        <p:cTn id="1" dur="indefinite" restart="never" nodeType="tmRoot"/>
+      </p:par>
+    </p:tnLst>
+  </p:timing>
+</p:sld>
+</file>
+
+<file path=ppt/slides/slide2.xml><?xml version="1.0" encoding="utf-8"?>
+<p:sld xmlns:a="http://schemas.openxmlformats.org/drawingml/2006/main" xmlns:r="http://schemas.openxmlformats.org/officeDocument/2006/relationships" xmlns:p="http://schemas.openxmlformats.org/presentationml/2006/main">
+  <p:cSld>
+    <p:spTree>
+      <p:nvGrpSpPr>
+        <p:cNvPr id="1" name=""/>
+        <p:cNvGrpSpPr/>
+        <p:nvPr/>
+      </p:nvGrpSpPr>
+      <p:grpSpPr>
+        <a:xfrm>
+          <a:off x="0" y="0"/>
+          <a:ext cx="0" cy="0"/>
+          <a:chOff x="0" y="0"/>
+          <a:chExt cx="0" cy="0"/>
+        </a:xfrm>
+      </p:grpSpPr>
+      <p:sp>
+        <p:nvSpPr>
+          <p:cNvPr id="26" name="Title 1"/>
+          <p:cNvSpPr>
+            <a:spLocks noGrp="1"/>
+          </p:cNvSpPr>
+          <p:nvPr>
+            <p:ph type="ctrTitle"/>
+          </p:nvPr>
+        </p:nvSpPr>
+        <p:spPr>
+          <a:xfrm>
+            <a:off x="358836" y="174647"/>
+            <a:ext cx="8496000" cy="738664"/>
+          </a:xfrm>
+        </p:spPr>
+        <p:txBody>
+          <a:bodyPr/>
+          <a:lstStyle/>
+          <a:p>
+            <a:pPr algn="ctr"/>
+            <a:r>
+              <a:rPr lang="en-US" dirty="0">
+                <a:solidFill>
+                  <a:schemeClr val="tx2"/>
+                </a:solidFill>
+                <a:ea typeface="ヒラギノ角ゴ Pro W3" pitchFamily="28" charset="-128"/>
+              </a:rPr>
+              <a:t>Architecture</a:t>
+            </a:r>
+            <a:endParaRPr lang="en-US" dirty="0"/>
+          </a:p>
+        </p:txBody>
+      </p:sp>
+      <p:grpSp>
+        <p:nvGrpSpPr>
+          <p:cNvPr id="32" name="Group 31"/>
+          <p:cNvGrpSpPr/>
+          <p:nvPr/>
+        </p:nvGrpSpPr>
+        <p:grpSpPr>
+          <a:xfrm>
+            <a:off x="509453" y="1027612"/>
+            <a:ext cx="7641770" cy="4376056"/>
+            <a:chOff x="509453" y="1027612"/>
+            <a:chExt cx="7641770" cy="4376056"/>
+          </a:xfrm>
+        </p:grpSpPr>
+        <p:sp>
+          <p:nvSpPr>
+            <p:cNvPr id="5" name="Cloud 4"/>
+            <p:cNvSpPr/>
+            <p:nvPr/>
+          </p:nvSpPr>
+          <p:spPr bwMode="gray">
+            <a:xfrm>
+              <a:off x="2377441" y="1027612"/>
+              <a:ext cx="3657600" cy="1846217"/>
+            </a:xfrm>
+            <a:prstGeom prst="cloud">
+              <a:avLst/>
+            </a:prstGeom>
+            <a:noFill/>
+            <a:ln w="6350" algn="ctr">
+              <a:solidFill>
+                <a:schemeClr val="tx1"/>
+              </a:solidFill>
+              <a:miter lim="800000"/>
+              <a:headEnd/>
+              <a:tailEnd/>
+            </a:ln>
+          </p:spPr>
+          <p:txBody>
+            <a:bodyPr lIns="90000" tIns="72000" rIns="90000" bIns="72000" rtlCol="0" anchor="ctr"/>
+            <a:lstStyle/>
+            <a:p>
+              <a:pPr marR="0" algn="ctr" defTabSz="914400" eaLnBrk="1" fontAlgn="base" latinLnBrk="0" hangingPunct="1">
+                <a:lnSpc>
+                  <a:spcPct val="100000"/>
+                </a:lnSpc>
+                <a:spcBef>
+                  <a:spcPct val="50000"/>
+                </a:spcBef>
+                <a:spcAft>
+                  <a:spcPct val="0"/>
+                </a:spcAft>
+                <a:buClr>
+                  <a:srgbClr val="F0AB00"/>
+                </a:buClr>
+                <a:buSzPct val="80000"/>
+                <a:tabLst/>
+              </a:pPr>
+              <a:r>
+                <a:rPr lang="en-US" kern="0" dirty="0" smtClean="0">
+                  <a:ea typeface="Arial Unicode MS" pitchFamily="34" charset="-128"/>
+                  <a:cs typeface="Arial Unicode MS" pitchFamily="34" charset="-128"/>
+                </a:rPr>
+                <a:t>HANA Cloud Platform</a:t>
+              </a:r>
+              <a:endParaRPr kumimoji="0" lang="en-US" b="0" i="0" u="none" strike="noStrike" kern="0" cap="none" spc="0" normalizeH="0" baseline="0" noProof="0" dirty="0" smtClean="0">
+                <a:ln>
+                  <a:noFill/>
+                </a:ln>
+                <a:effectLst/>
+                <a:uLnTx/>
+                <a:uFillTx/>
+                <a:ea typeface="Arial Unicode MS" pitchFamily="34" charset="-128"/>
+                <a:cs typeface="Arial Unicode MS" pitchFamily="34" charset="-128"/>
+              </a:endParaRPr>
+            </a:p>
+          </p:txBody>
+        </p:sp>
+        <p:sp>
+          <p:nvSpPr>
+            <p:cNvPr id="7" name="Rectangle 6"/>
+            <p:cNvSpPr/>
+            <p:nvPr/>
+          </p:nvSpPr>
+          <p:spPr bwMode="gray">
+            <a:xfrm>
+              <a:off x="714104" y="3910148"/>
+              <a:ext cx="1224444" cy="1493520"/>
+            </a:xfrm>
+            <a:prstGeom prst="rect">
+              <a:avLst/>
+            </a:prstGeom>
+            <a:noFill/>
+            <a:ln w="6350" algn="ctr">
+              <a:solidFill>
+                <a:schemeClr val="tx1"/>
+              </a:solidFill>
+              <a:miter lim="800000"/>
+              <a:headEnd/>
+              <a:tailEnd/>
+            </a:ln>
+          </p:spPr>
+          <p:txBody>
+            <a:bodyPr lIns="90000" tIns="72000" rIns="90000" bIns="72000" rtlCol="0" anchor="ctr"/>
+            <a:lstStyle/>
+            <a:p>
+              <a:pPr marR="0" algn="ctr" defTabSz="914400" eaLnBrk="1" fontAlgn="base" latinLnBrk="0" hangingPunct="1">
+                <a:lnSpc>
+                  <a:spcPct val="100000"/>
+                </a:lnSpc>
+                <a:spcBef>
+                  <a:spcPct val="50000"/>
+                </a:spcBef>
+                <a:spcAft>
+                  <a:spcPct val="0"/>
+                </a:spcAft>
+                <a:buClr>
+                  <a:srgbClr val="F0AB00"/>
+                </a:buClr>
+                <a:buSzPct val="80000"/>
+                <a:tabLst/>
+              </a:pPr>
+              <a:r>
+                <a:rPr kumimoji="0" lang="en-US" b="0" i="0" u="none" strike="noStrike" kern="0" cap="none" spc="0" normalizeH="0" baseline="0" noProof="0" dirty="0" smtClean="0">
+                  <a:ln>
+                    <a:noFill/>
+                  </a:ln>
+                  <a:effectLst/>
+                  <a:uLnTx/>
+                  <a:uFillTx/>
+                  <a:ea typeface="Arial Unicode MS" pitchFamily="34" charset="-128"/>
+                  <a:cs typeface="Arial Unicode MS" pitchFamily="34" charset="-128"/>
+                </a:rPr>
+                <a:t>Drops for Delivery</a:t>
+              </a:r>
+              <a:endParaRPr kumimoji="0" lang="en-US" b="0" i="0" u="none" strike="noStrike" kern="0" cap="none" spc="0" normalizeH="0" baseline="0" noProof="0" dirty="0" smtClean="0">
+                <a:ln>
+                  <a:noFill/>
+                </a:ln>
+                <a:effectLst/>
+                <a:uLnTx/>
+                <a:uFillTx/>
+                <a:ea typeface="Arial Unicode MS" pitchFamily="34" charset="-128"/>
+                <a:cs typeface="Arial Unicode MS" pitchFamily="34" charset="-128"/>
+              </a:endParaRPr>
+            </a:p>
+          </p:txBody>
+        </p:sp>
+        <p:sp>
+          <p:nvSpPr>
+            <p:cNvPr id="8" name="Rectangle 7"/>
+            <p:cNvSpPr/>
+            <p:nvPr/>
+          </p:nvSpPr>
+          <p:spPr bwMode="gray">
+            <a:xfrm>
+              <a:off x="509453" y="2302328"/>
+              <a:ext cx="914400" cy="914400"/>
+            </a:xfrm>
+            <a:prstGeom prst="rect">
+              <a:avLst/>
+            </a:prstGeom>
+            <a:noFill/>
+            <a:ln w="6350" algn="ctr">
+              <a:solidFill>
+                <a:schemeClr val="tx1"/>
+              </a:solidFill>
+              <a:miter lim="800000"/>
+              <a:headEnd/>
+              <a:tailEnd/>
+            </a:ln>
+          </p:spPr>
+          <p:txBody>
+            <a:bodyPr lIns="90000" tIns="72000" rIns="90000" bIns="72000" rtlCol="0" anchor="ctr"/>
+            <a:lstStyle/>
+            <a:p>
+              <a:pPr marR="0" algn="ctr" defTabSz="914400" eaLnBrk="1" fontAlgn="base" latinLnBrk="0" hangingPunct="1">
+                <a:lnSpc>
+                  <a:spcPct val="100000"/>
+                </a:lnSpc>
+                <a:spcBef>
+                  <a:spcPct val="50000"/>
+                </a:spcBef>
+                <a:spcAft>
+                  <a:spcPct val="0"/>
+                </a:spcAft>
+                <a:buClr>
+                  <a:srgbClr val="F0AB00"/>
+                </a:buClr>
+                <a:buSzPct val="80000"/>
+                <a:tabLst/>
+              </a:pPr>
+              <a:r>
+                <a:rPr lang="en-US" kern="0" noProof="0" dirty="0" smtClean="0">
+                  <a:ea typeface="Arial Unicode MS" pitchFamily="34" charset="-128"/>
+                  <a:cs typeface="Arial Unicode MS" pitchFamily="34" charset="-128"/>
+                </a:rPr>
+                <a:t>Mobile</a:t>
+              </a:r>
+              <a:endParaRPr kumimoji="0" lang="en-US" b="0" i="0" u="none" strike="noStrike" kern="0" cap="none" spc="0" normalizeH="0" baseline="0" noProof="0" dirty="0" smtClean="0">
+                <a:ln>
+                  <a:noFill/>
+                </a:ln>
+                <a:effectLst/>
+                <a:uLnTx/>
+                <a:uFillTx/>
+                <a:ea typeface="Arial Unicode MS" pitchFamily="34" charset="-128"/>
+                <a:cs typeface="Arial Unicode MS" pitchFamily="34" charset="-128"/>
+              </a:endParaRPr>
+            </a:p>
+          </p:txBody>
+        </p:sp>
+        <p:sp>
+          <p:nvSpPr>
+            <p:cNvPr id="9" name="Rectangle 8"/>
+            <p:cNvSpPr/>
+            <p:nvPr/>
+          </p:nvSpPr>
+          <p:spPr bwMode="gray">
+            <a:xfrm>
+              <a:off x="7027817" y="3910148"/>
+              <a:ext cx="1123405" cy="1493520"/>
+            </a:xfrm>
+            <a:prstGeom prst="rect">
+              <a:avLst/>
+            </a:prstGeom>
+            <a:noFill/>
+            <a:ln w="6350" algn="ctr">
+              <a:solidFill>
+                <a:schemeClr val="tx1"/>
+              </a:solidFill>
+              <a:miter lim="800000"/>
+              <a:headEnd/>
+              <a:tailEnd/>
+            </a:ln>
+          </p:spPr>
+          <p:txBody>
+            <a:bodyPr lIns="90000" tIns="72000" rIns="90000" bIns="72000" rtlCol="0" anchor="ctr"/>
+            <a:lstStyle/>
+            <a:p>
+              <a:pPr marR="0" algn="ctr" defTabSz="914400" eaLnBrk="1" fontAlgn="base" latinLnBrk="0" hangingPunct="1">
+                <a:lnSpc>
+                  <a:spcPct val="100000"/>
+                </a:lnSpc>
+                <a:spcBef>
+                  <a:spcPct val="50000"/>
+                </a:spcBef>
+                <a:spcAft>
+                  <a:spcPct val="0"/>
+                </a:spcAft>
+                <a:buClr>
+                  <a:srgbClr val="F0AB00"/>
+                </a:buClr>
+                <a:buSzPct val="80000"/>
+                <a:tabLst/>
+              </a:pPr>
+              <a:r>
+                <a:rPr kumimoji="0" lang="en-US" b="0" i="0" u="none" strike="noStrike" kern="0" cap="none" spc="0" normalizeH="0" baseline="0" noProof="0" dirty="0" smtClean="0">
+                  <a:ln>
+                    <a:noFill/>
+                  </a:ln>
+                  <a:effectLst/>
+                  <a:uLnTx/>
+                  <a:uFillTx/>
+                  <a:ea typeface="Arial Unicode MS" pitchFamily="34" charset="-128"/>
+                  <a:cs typeface="Arial Unicode MS" pitchFamily="34" charset="-128"/>
+                </a:rPr>
+                <a:t>Order Queue</a:t>
+              </a:r>
+            </a:p>
+          </p:txBody>
+        </p:sp>
+        <p:sp>
+          <p:nvSpPr>
+            <p:cNvPr id="10" name="Rectangle 9"/>
+            <p:cNvSpPr/>
+            <p:nvPr/>
+          </p:nvSpPr>
+          <p:spPr bwMode="gray">
+            <a:xfrm>
+              <a:off x="3082836" y="3910148"/>
+              <a:ext cx="2124890" cy="1493520"/>
+            </a:xfrm>
+            <a:prstGeom prst="rect">
+              <a:avLst/>
+            </a:prstGeom>
+            <a:noFill/>
+            <a:ln w="6350" algn="ctr">
+              <a:solidFill>
+                <a:schemeClr val="tx1"/>
+              </a:solidFill>
+              <a:miter lim="800000"/>
+              <a:headEnd/>
+              <a:tailEnd/>
+            </a:ln>
+          </p:spPr>
+          <p:txBody>
+            <a:bodyPr lIns="90000" tIns="72000" rIns="90000" bIns="72000" rtlCol="0" anchor="ctr"/>
+            <a:lstStyle/>
+            <a:p>
+              <a:pPr marR="0" algn="ctr" defTabSz="914400" eaLnBrk="1" fontAlgn="base" latinLnBrk="0" hangingPunct="1">
+                <a:lnSpc>
+                  <a:spcPct val="100000"/>
+                </a:lnSpc>
+                <a:spcBef>
+                  <a:spcPct val="50000"/>
+                </a:spcBef>
+                <a:spcAft>
+                  <a:spcPct val="0"/>
+                </a:spcAft>
+                <a:buClr>
+                  <a:srgbClr val="F0AB00"/>
+                </a:buClr>
+                <a:buSzPct val="80000"/>
+                <a:tabLst/>
+              </a:pPr>
+              <a:r>
+                <a:rPr kumimoji="0" lang="en-US" b="0" i="0" u="none" strike="noStrike" kern="0" cap="none" spc="0" normalizeH="0" baseline="0" noProof="0" dirty="0" smtClean="0">
+                  <a:ln>
+                    <a:noFill/>
+                  </a:ln>
+                  <a:effectLst/>
+                  <a:uLnTx/>
+                  <a:uFillTx/>
+                  <a:ea typeface="Arial Unicode MS" pitchFamily="34" charset="-128"/>
+                  <a:cs typeface="Arial Unicode MS" pitchFamily="34" charset="-128"/>
+                </a:rPr>
+                <a:t>Raspberry Pi Robot</a:t>
+              </a:r>
+            </a:p>
+          </p:txBody>
+        </p:sp>
+        <p:cxnSp>
+          <p:nvCxnSpPr>
+            <p:cNvPr id="12" name="Straight Arrow Connector 11"/>
+            <p:cNvCxnSpPr>
+              <a:stCxn id="5" idx="0"/>
+            </p:cNvCxnSpPr>
+            <p:nvPr/>
+          </p:nvCxnSpPr>
+          <p:spPr>
+            <a:xfrm flipV="1">
+              <a:off x="6031993" y="1950720"/>
+              <a:ext cx="995824" cy="1"/>
+            </a:xfrm>
+            <a:prstGeom prst="straightConnector1">
+              <a:avLst/>
+            </a:prstGeom>
+            <a:ln w="6350">
+              <a:solidFill>
+                <a:schemeClr val="tx1"/>
+              </a:solidFill>
+              <a:headEnd type="triangle"/>
+              <a:tailEnd type="triangle"/>
+            </a:ln>
+          </p:spPr>
+          <p:style>
+            <a:lnRef idx="1">
+              <a:schemeClr val="accent1"/>
+            </a:lnRef>
+            <a:fillRef idx="0">
+              <a:schemeClr val="accent1"/>
+            </a:fillRef>
+            <a:effectRef idx="0">
+              <a:schemeClr val="accent1"/>
+            </a:effectRef>
+            <a:fontRef idx="minor">
+              <a:schemeClr val="tx1"/>
+            </a:fontRef>
+          </p:style>
+        </p:cxnSp>
+        <p:cxnSp>
+          <p:nvCxnSpPr>
+            <p:cNvPr id="14" name="Straight Arrow Connector 13"/>
+            <p:cNvCxnSpPr>
+              <a:stCxn id="8" idx="3"/>
+              <a:endCxn id="5" idx="2"/>
+            </p:cNvCxnSpPr>
+            <p:nvPr/>
+          </p:nvCxnSpPr>
+          <p:spPr>
+            <a:xfrm flipV="1">
+              <a:off x="1423853" y="1950721"/>
+              <a:ext cx="964933" cy="808807"/>
+            </a:xfrm>
+            <a:prstGeom prst="straightConnector1">
+              <a:avLst/>
+            </a:prstGeom>
+            <a:ln w="6350">
+              <a:solidFill>
+                <a:schemeClr val="tx1"/>
+              </a:solidFill>
+              <a:tailEnd type="triangle"/>
+            </a:ln>
+          </p:spPr>
+          <p:style>
+            <a:lnRef idx="1">
+              <a:schemeClr val="accent1"/>
+            </a:lnRef>
+            <a:fillRef idx="0">
+              <a:schemeClr val="accent1"/>
+            </a:fillRef>
+            <a:effectRef idx="0">
+              <a:schemeClr val="accent1"/>
+            </a:effectRef>
+            <a:fontRef idx="minor">
+              <a:schemeClr val="tx1"/>
+            </a:fontRef>
+          </p:style>
+        </p:cxnSp>
+        <p:cxnSp>
+          <p:nvCxnSpPr>
+            <p:cNvPr id="16" name="Straight Arrow Connector 15"/>
+            <p:cNvCxnSpPr/>
+            <p:nvPr/>
+          </p:nvCxnSpPr>
+          <p:spPr>
+            <a:xfrm>
+              <a:off x="5451566" y="2523309"/>
+              <a:ext cx="1576251" cy="1386839"/>
+            </a:xfrm>
+            <a:prstGeom prst="straightConnector1">
+              <a:avLst/>
+            </a:prstGeom>
+            <a:ln w="6350">
+              <a:solidFill>
+                <a:schemeClr val="tx1"/>
+              </a:solidFill>
+              <a:tailEnd type="triangle"/>
+            </a:ln>
+          </p:spPr>
+          <p:style>
+            <a:lnRef idx="1">
+              <a:schemeClr val="accent1"/>
+            </a:lnRef>
+            <a:fillRef idx="0">
+              <a:schemeClr val="accent1"/>
+            </a:fillRef>
+            <a:effectRef idx="0">
+              <a:schemeClr val="accent1"/>
+            </a:effectRef>
+            <a:fontRef idx="minor">
+              <a:schemeClr val="tx1"/>
+            </a:fontRef>
+          </p:style>
+        </p:cxnSp>
+        <p:cxnSp>
+          <p:nvCxnSpPr>
+            <p:cNvPr id="19" name="Straight Arrow Connector 18"/>
+            <p:cNvCxnSpPr>
+              <a:stCxn id="10" idx="3"/>
+              <a:endCxn id="9" idx="1"/>
+            </p:cNvCxnSpPr>
+            <p:nvPr/>
+          </p:nvCxnSpPr>
+          <p:spPr>
+            <a:xfrm>
+              <a:off x="5207726" y="4656908"/>
+              <a:ext cx="1820091" cy="0"/>
+            </a:xfrm>
+            <a:prstGeom prst="straightConnector1">
+              <a:avLst/>
+            </a:prstGeom>
+            <a:ln w="6350">
+              <a:solidFill>
+                <a:schemeClr val="tx1"/>
+              </a:solidFill>
+              <a:headEnd type="triangle"/>
+              <a:tailEnd type="triangle"/>
+            </a:ln>
+          </p:spPr>
+          <p:style>
+            <a:lnRef idx="1">
+              <a:schemeClr val="accent1"/>
+            </a:lnRef>
+            <a:fillRef idx="0">
+              <a:schemeClr val="accent1"/>
+            </a:fillRef>
+            <a:effectRef idx="0">
+              <a:schemeClr val="accent1"/>
+            </a:effectRef>
+            <a:fontRef idx="minor">
+              <a:schemeClr val="tx1"/>
+            </a:fontRef>
+          </p:style>
+        </p:cxnSp>
+        <p:cxnSp>
+          <p:nvCxnSpPr>
+            <p:cNvPr id="21" name="Straight Arrow Connector 20"/>
+            <p:cNvCxnSpPr>
+              <a:stCxn id="10" idx="1"/>
+            </p:cNvCxnSpPr>
+            <p:nvPr/>
+          </p:nvCxnSpPr>
+          <p:spPr>
+            <a:xfrm flipH="1">
+              <a:off x="1945508" y="4656908"/>
+              <a:ext cx="1137328" cy="0"/>
+            </a:xfrm>
+            <a:prstGeom prst="straightConnector1">
+              <a:avLst/>
+            </a:prstGeom>
+            <a:ln w="6350">
+              <a:solidFill>
+                <a:schemeClr val="tx1"/>
+              </a:solidFill>
+              <a:tailEnd type="triangle"/>
+            </a:ln>
+          </p:spPr>
+          <p:style>
+            <a:lnRef idx="1">
+              <a:schemeClr val="accent1"/>
+            </a:lnRef>
+            <a:fillRef idx="0">
+              <a:schemeClr val="accent1"/>
+            </a:fillRef>
+            <a:effectRef idx="0">
+              <a:schemeClr val="accent1"/>
+            </a:effectRef>
+            <a:fontRef idx="minor">
+              <a:schemeClr val="tx1"/>
+            </a:fontRef>
+          </p:style>
+        </p:cxnSp>
+        <p:sp>
+          <p:nvSpPr>
+            <p:cNvPr id="23" name="Rectangle 22"/>
+            <p:cNvSpPr/>
+            <p:nvPr/>
+          </p:nvSpPr>
+          <p:spPr bwMode="gray">
+            <a:xfrm>
+              <a:off x="7027818" y="1101634"/>
+              <a:ext cx="1123405" cy="1493520"/>
+            </a:xfrm>
+            <a:prstGeom prst="rect">
+              <a:avLst/>
+            </a:prstGeom>
+            <a:noFill/>
+            <a:ln w="6350" algn="ctr">
+              <a:solidFill>
+                <a:schemeClr val="tx1"/>
+              </a:solidFill>
+              <a:miter lim="800000"/>
+              <a:headEnd/>
+              <a:tailEnd/>
+            </a:ln>
+          </p:spPr>
+          <p:txBody>
+            <a:bodyPr lIns="90000" tIns="72000" rIns="90000" bIns="72000" rtlCol="0" anchor="ctr"/>
+            <a:lstStyle/>
+            <a:p>
+              <a:pPr marR="0" algn="ctr" defTabSz="914400" eaLnBrk="1" fontAlgn="base" latinLnBrk="0" hangingPunct="1">
+                <a:lnSpc>
+                  <a:spcPct val="100000"/>
+                </a:lnSpc>
+                <a:spcBef>
+                  <a:spcPct val="50000"/>
+                </a:spcBef>
+                <a:spcAft>
+                  <a:spcPct val="0"/>
+                </a:spcAft>
+                <a:buClr>
+                  <a:srgbClr val="F0AB00"/>
+                </a:buClr>
+                <a:buSzPct val="80000"/>
+                <a:tabLst/>
+              </a:pPr>
+              <a:r>
+                <a:rPr kumimoji="0" lang="en-US" b="0" i="0" u="none" strike="noStrike" kern="0" cap="none" spc="0" normalizeH="0" baseline="0" noProof="0" dirty="0" smtClean="0">
+                  <a:ln>
+                    <a:noFill/>
+                  </a:ln>
+                  <a:effectLst/>
+                  <a:uLnTx/>
+                  <a:uFillTx/>
+                  <a:ea typeface="Arial Unicode MS" pitchFamily="34" charset="-128"/>
+                  <a:cs typeface="Arial Unicode MS" pitchFamily="34" charset="-128"/>
+                </a:rPr>
+                <a:t>HANA</a:t>
+              </a:r>
+              <a:r>
+                <a:rPr kumimoji="0" lang="en-US" b="0" i="0" u="none" strike="noStrike" kern="0" cap="none" spc="0" normalizeH="0" noProof="0" dirty="0" smtClean="0">
+                  <a:ln>
+                    <a:noFill/>
+                  </a:ln>
+                  <a:effectLst/>
+                  <a:uLnTx/>
+                  <a:uFillTx/>
+                  <a:ea typeface="Arial Unicode MS" pitchFamily="34" charset="-128"/>
+                  <a:cs typeface="Arial Unicode MS" pitchFamily="34" charset="-128"/>
+                </a:rPr>
+                <a:t> DB</a:t>
+              </a:r>
+              <a:endParaRPr kumimoji="0" lang="en-US" b="0" i="0" u="none" strike="noStrike" kern="0" cap="none" spc="0" normalizeH="0" baseline="0" noProof="0" dirty="0" smtClean="0">
+                <a:ln>
+                  <a:noFill/>
+                </a:ln>
+                <a:effectLst/>
+                <a:uLnTx/>
+                <a:uFillTx/>
+                <a:ea typeface="Arial Unicode MS" pitchFamily="34" charset="-128"/>
+                <a:cs typeface="Arial Unicode MS" pitchFamily="34" charset="-128"/>
+              </a:endParaRPr>
+            </a:p>
+          </p:txBody>
+        </p:sp>
+        <p:sp>
+          <p:nvSpPr>
+            <p:cNvPr id="27" name="TextBox 26"/>
+            <p:cNvSpPr txBox="1"/>
+            <p:nvPr/>
+          </p:nvSpPr>
+          <p:spPr>
+            <a:xfrm rot="19162982">
+              <a:off x="1455666" y="2180381"/>
+              <a:ext cx="965764" cy="323165"/>
+            </a:xfrm>
+            <a:prstGeom prst="rect">
+              <a:avLst/>
+            </a:prstGeom>
+            <a:noFill/>
+          </p:spPr>
+          <p:txBody>
+            <a:bodyPr wrap="square" lIns="0" tIns="0" rIns="0" bIns="0" rtlCol="0">
+              <a:spAutoFit/>
+            </a:bodyPr>
+            <a:lstStyle/>
+            <a:p>
+              <a:pPr algn="ctr" fontAlgn="base">
+                <a:spcBef>
+                  <a:spcPct val="50000"/>
+                </a:spcBef>
+                <a:spcAft>
+                  <a:spcPct val="0"/>
+                </a:spcAft>
+                <a:buClr>
+                  <a:srgbClr val="F0AB00"/>
+                </a:buClr>
+                <a:buSzPct val="80000"/>
+              </a:pPr>
+              <a:r>
+                <a:rPr lang="en-US" sz="1050" kern="0" dirty="0" smtClean="0">
+                  <a:ea typeface="Arial Unicode MS" pitchFamily="34" charset="-128"/>
+                  <a:cs typeface="Arial Unicode MS" pitchFamily="34" charset="-128"/>
+                </a:rPr>
+                <a:t>Places the order</a:t>
+              </a:r>
+            </a:p>
+          </p:txBody>
+        </p:sp>
+        <p:sp>
+          <p:nvSpPr>
+            <p:cNvPr id="28" name="TextBox 27"/>
+            <p:cNvSpPr txBox="1"/>
+            <p:nvPr/>
+          </p:nvSpPr>
+          <p:spPr>
+            <a:xfrm>
+              <a:off x="6062054" y="1789137"/>
+              <a:ext cx="883616" cy="323165"/>
+            </a:xfrm>
+            <a:prstGeom prst="rect">
+              <a:avLst/>
+            </a:prstGeom>
+            <a:noFill/>
+          </p:spPr>
+          <p:txBody>
+            <a:bodyPr wrap="square" lIns="0" tIns="0" rIns="0" bIns="0" rtlCol="0">
+              <a:spAutoFit/>
+            </a:bodyPr>
+            <a:lstStyle/>
+            <a:p>
+              <a:pPr algn="ctr" fontAlgn="base">
+                <a:spcBef>
+                  <a:spcPct val="50000"/>
+                </a:spcBef>
+                <a:spcAft>
+                  <a:spcPct val="0"/>
+                </a:spcAft>
+                <a:buClr>
+                  <a:srgbClr val="F0AB00"/>
+                </a:buClr>
+                <a:buSzPct val="80000"/>
+              </a:pPr>
+              <a:r>
+                <a:rPr lang="en-US" sz="1050" kern="0" dirty="0" smtClean="0">
+                  <a:ea typeface="Arial Unicode MS" pitchFamily="34" charset="-128"/>
+                  <a:cs typeface="Arial Unicode MS" pitchFamily="34" charset="-128"/>
+                </a:rPr>
+                <a:t>Fetches details</a:t>
+              </a:r>
+            </a:p>
+          </p:txBody>
+        </p:sp>
+        <p:sp>
+          <p:nvSpPr>
+            <p:cNvPr id="29" name="TextBox 28"/>
+            <p:cNvSpPr txBox="1"/>
+            <p:nvPr/>
+          </p:nvSpPr>
+          <p:spPr>
+            <a:xfrm rot="2473044">
+              <a:off x="5756809" y="3057115"/>
+              <a:ext cx="965764" cy="323165"/>
+            </a:xfrm>
+            <a:prstGeom prst="rect">
+              <a:avLst/>
+            </a:prstGeom>
+            <a:noFill/>
+          </p:spPr>
+          <p:txBody>
+            <a:bodyPr wrap="square" lIns="0" tIns="0" rIns="0" bIns="0" rtlCol="0">
+              <a:spAutoFit/>
+            </a:bodyPr>
+            <a:lstStyle/>
+            <a:p>
+              <a:pPr algn="ctr" fontAlgn="base">
+                <a:spcBef>
+                  <a:spcPct val="50000"/>
+                </a:spcBef>
+                <a:spcAft>
+                  <a:spcPct val="0"/>
+                </a:spcAft>
+                <a:buClr>
+                  <a:srgbClr val="F0AB00"/>
+                </a:buClr>
+                <a:buSzPct val="80000"/>
+              </a:pPr>
+              <a:r>
+                <a:rPr lang="en-US" sz="1050" kern="0" dirty="0" smtClean="0">
+                  <a:ea typeface="Arial Unicode MS" pitchFamily="34" charset="-128"/>
+                  <a:cs typeface="Arial Unicode MS" pitchFamily="34" charset="-128"/>
+                </a:rPr>
+                <a:t>Places the order in queue</a:t>
+              </a:r>
+            </a:p>
+          </p:txBody>
+        </p:sp>
+        <p:sp>
+          <p:nvSpPr>
+            <p:cNvPr id="30" name="TextBox 29"/>
+            <p:cNvSpPr txBox="1"/>
+            <p:nvPr/>
+          </p:nvSpPr>
+          <p:spPr>
+            <a:xfrm>
+              <a:off x="5655929" y="4495325"/>
+              <a:ext cx="965764" cy="323165"/>
+            </a:xfrm>
+            <a:prstGeom prst="rect">
+              <a:avLst/>
+            </a:prstGeom>
+            <a:noFill/>
+          </p:spPr>
+          <p:txBody>
+            <a:bodyPr wrap="square" lIns="0" tIns="0" rIns="0" bIns="0" rtlCol="0">
+              <a:spAutoFit/>
+            </a:bodyPr>
+            <a:lstStyle/>
+            <a:p>
+              <a:pPr algn="ctr" fontAlgn="base">
+                <a:spcBef>
+                  <a:spcPct val="50000"/>
+                </a:spcBef>
+                <a:spcAft>
+                  <a:spcPct val="0"/>
+                </a:spcAft>
+                <a:buClr>
+                  <a:srgbClr val="F0AB00"/>
+                </a:buClr>
+                <a:buSzPct val="80000"/>
+              </a:pPr>
+              <a:r>
+                <a:rPr lang="en-US" sz="1050" kern="0" dirty="0" smtClean="0">
+                  <a:ea typeface="Arial Unicode MS" pitchFamily="34" charset="-128"/>
+                  <a:cs typeface="Arial Unicode MS" pitchFamily="34" charset="-128"/>
+                </a:rPr>
+                <a:t>Picks up the order</a:t>
+              </a:r>
+            </a:p>
+          </p:txBody>
+        </p:sp>
+      </p:grpSp>
+      <p:sp>
+        <p:nvSpPr>
+          <p:cNvPr id="20" name="TextBox 19"/>
+          <p:cNvSpPr txBox="1"/>
+          <p:nvPr/>
+        </p:nvSpPr>
+        <p:spPr>
+          <a:xfrm>
+            <a:off x="3274423" y="4987359"/>
+            <a:ext cx="1776548" cy="323165"/>
+          </a:xfrm>
+          <a:prstGeom prst="rect">
+            <a:avLst/>
+          </a:prstGeom>
+          <a:noFill/>
+        </p:spPr>
+        <p:txBody>
+          <a:bodyPr wrap="square" lIns="0" tIns="0" rIns="0" bIns="0" rtlCol="0">
+            <a:spAutoFit/>
+          </a:bodyPr>
+          <a:lstStyle/>
+          <a:p>
+            <a:pPr algn="ctr" fontAlgn="base">
+              <a:spcBef>
+                <a:spcPct val="50000"/>
+              </a:spcBef>
+              <a:spcAft>
+                <a:spcPct val="0"/>
+              </a:spcAft>
+              <a:buClr>
+                <a:srgbClr val="F0AB00"/>
+              </a:buClr>
+              <a:buSzPct val="80000"/>
+            </a:pPr>
+            <a:r>
+              <a:rPr lang="en-US" sz="1050" kern="0" dirty="0" smtClean="0">
+                <a:ea typeface="Arial Unicode MS" pitchFamily="34" charset="-128"/>
+                <a:cs typeface="Arial Unicode MS" pitchFamily="34" charset="-128"/>
+              </a:rPr>
+              <a:t>Finds and travels </a:t>
+            </a:r>
+            <a:r>
+              <a:rPr lang="en-US" sz="1050" kern="0" dirty="0" smtClean="0">
+                <a:ea typeface="Arial Unicode MS" pitchFamily="34" charset="-128"/>
+                <a:cs typeface="Arial Unicode MS" pitchFamily="34" charset="-128"/>
+              </a:rPr>
+              <a:t>to </a:t>
+            </a:r>
+            <a:r>
+              <a:rPr lang="en-US" sz="1050" kern="0" dirty="0" smtClean="0">
+                <a:ea typeface="Arial Unicode MS" pitchFamily="34" charset="-128"/>
+                <a:cs typeface="Arial Unicode MS" pitchFamily="34" charset="-128"/>
+              </a:rPr>
+              <a:t>location of product</a:t>
+            </a:r>
+            <a:endParaRPr lang="en-US" sz="1050" kern="0" dirty="0" smtClean="0">
+              <a:ea typeface="Arial Unicode MS" pitchFamily="34" charset="-128"/>
+              <a:cs typeface="Arial Unicode MS" pitchFamily="34" charset="-128"/>
+            </a:endParaRPr>
+          </a:p>
+        </p:txBody>
+      </p:sp>
+    </p:spTree>
+    <p:extLst>
+      <p:ext uri="{BB962C8B-B14F-4D97-AF65-F5344CB8AC3E}">
+        <p14:creationId xmlns:p14="http://schemas.microsoft.com/office/powerpoint/2010/main" val="1368788827"/>
+      </p:ext>
+    </p:extLst>
+  </p:cSld>
+  <p:clrMapOvr>
+    <a:masterClrMapping/>
+  </p:clrMapOvr>
+  <p:timing>
+    <p:tnLst>
+      <p:par>
+        <p:cTn id="1" dur="indefinite" restart="never" nodeType="tmRoot"/>
+      </p:par>
+    </p:tnLst>
+  </p:timing>
+</p:sld>
+</file>
+
+<file path=ppt/slides/slide3.xml><?xml version="1.0" encoding="utf-8"?>
+<p:sld xmlns:a="http://schemas.openxmlformats.org/drawingml/2006/main" xmlns:r="http://schemas.openxmlformats.org/officeDocument/2006/relationships" xmlns:p="http://schemas.openxmlformats.org/presentationml/2006/main">
+  <p:cSld>
+    <p:spTree>
+      <p:nvGrpSpPr>
+        <p:cNvPr id="1" name=""/>
+        <p:cNvGrpSpPr/>
+        <p:nvPr/>
+      </p:nvGrpSpPr>
+      <p:grpSpPr>
+        <a:xfrm>
+          <a:off x="0" y="0"/>
+          <a:ext cx="0" cy="0"/>
+          <a:chOff x="0" y="0"/>
+          <a:chExt cx="0" cy="0"/>
+        </a:xfrm>
+      </p:grpSpPr>
+      <p:sp>
+        <p:nvSpPr>
+          <p:cNvPr id="2" name="Title 1"/>
+          <p:cNvSpPr>
+            <a:spLocks noGrp="1"/>
+          </p:cNvSpPr>
+          <p:nvPr>
+            <p:ph type="ctrTitle"/>
+          </p:nvPr>
+        </p:nvSpPr>
+        <p:spPr>
+          <a:xfrm>
+            <a:off x="324002" y="302091"/>
+            <a:ext cx="8496000" cy="738664"/>
+          </a:xfrm>
+        </p:spPr>
+        <p:txBody>
+          <a:bodyPr/>
+          <a:lstStyle/>
+          <a:p>
+            <a:pPr algn="ctr"/>
+            <a:r>
+              <a:rPr lang="en-US" dirty="0">
+                <a:solidFill>
+                  <a:schemeClr val="tx2"/>
+                </a:solidFill>
+                <a:ea typeface="ヒラギノ角ゴ Pro W3" pitchFamily="28" charset="-128"/>
+              </a:rPr>
+              <a:t>Architecture</a:t>
+            </a:r>
+            <a:endParaRPr lang="en-US" dirty="0"/>
+          </a:p>
+        </p:txBody>
+      </p:sp>
+      <p:pic>
+        <p:nvPicPr>
+          <p:cNvPr id="4" name="Picture 3"/>
+          <p:cNvPicPr>
+            <a:picLocks noChangeAspect="1"/>
+          </p:cNvPicPr>
+          <p:nvPr/>
+        </p:nvPicPr>
+        <p:blipFill>
+          <a:blip r:embed="rId2">
+            <a:extLst>
+              <a:ext uri="{28A0092B-C50C-407E-A947-70E740481C1C}">
+                <a14:useLocalDpi xmlns:a14="http://schemas.microsoft.com/office/drawing/2010/main" val="0"/>
+              </a:ext>
+            </a:extLst>
+          </a:blip>
+          <a:stretch>
+            <a:fillRect/>
+          </a:stretch>
+        </p:blipFill>
+        <p:spPr>
+          <a:xfrm>
+            <a:off x="801852" y="1471749"/>
+            <a:ext cx="7540299" cy="4137969"/>
+          </a:xfrm>
+          <a:prstGeom prst="rect">
+            <a:avLst/>
+          </a:prstGeom>
+        </p:spPr>
+      </p:pic>
+    </p:spTree>
+    <p:extLst>
+      <p:ext uri="{BB962C8B-B14F-4D97-AF65-F5344CB8AC3E}">
+        <p14:creationId xmlns:p14="http://schemas.microsoft.com/office/powerpoint/2010/main" val="3429766914"/>
+      </p:ext>
+    </p:extLst>
   </p:cSld>
   <p:clrMapOvr>
     <a:masterClrMapping/>
